--- a/classes/prog2020/Prog3-Lecture01.pptx
+++ b/classes/prog2020/Prog3-Lecture01.pptx
@@ -267,7 +267,7 @@
             <a:fld id="{B59E3D86-40EF-4699-B290-9A90C971F488}" type="datetimeFigureOut">
               <a:rPr lang="en-US" smtClean="0"/>
               <a:pPr/>
-              <a:t>8/28/2020</a:t>
+              <a:t>8/31/2020</a:t>
             </a:fld>
             <a:endParaRPr lang="en-US"/>
           </a:p>
@@ -4566,7 +4566,7 @@
             <a:fld id="{1D8BD707-D9CF-40AE-B4C6-C98DA3205C09}" type="datetimeFigureOut">
               <a:rPr lang="en-US" smtClean="0"/>
               <a:pPr/>
-              <a:t>8/28/2020</a:t>
+              <a:t>8/31/2020</a:t>
             </a:fld>
             <a:endParaRPr lang="en-US"/>
           </a:p>
@@ -4731,7 +4731,7 @@
             <a:fld id="{1D8BD707-D9CF-40AE-B4C6-C98DA3205C09}" type="datetimeFigureOut">
               <a:rPr lang="en-US" smtClean="0"/>
               <a:pPr/>
-              <a:t>8/28/2020</a:t>
+              <a:t>8/31/2020</a:t>
             </a:fld>
             <a:endParaRPr lang="en-US"/>
           </a:p>
@@ -4906,7 +4906,7 @@
             <a:fld id="{1D8BD707-D9CF-40AE-B4C6-C98DA3205C09}" type="datetimeFigureOut">
               <a:rPr lang="en-US" smtClean="0"/>
               <a:pPr/>
-              <a:t>8/28/2020</a:t>
+              <a:t>8/31/2020</a:t>
             </a:fld>
             <a:endParaRPr lang="en-US"/>
           </a:p>
@@ -5071,7 +5071,7 @@
             <a:fld id="{1D8BD707-D9CF-40AE-B4C6-C98DA3205C09}" type="datetimeFigureOut">
               <a:rPr lang="en-US" smtClean="0"/>
               <a:pPr/>
-              <a:t>8/28/2020</a:t>
+              <a:t>8/31/2020</a:t>
             </a:fld>
             <a:endParaRPr lang="en-US"/>
           </a:p>
@@ -5313,7 +5313,7 @@
             <a:fld id="{1D8BD707-D9CF-40AE-B4C6-C98DA3205C09}" type="datetimeFigureOut">
               <a:rPr lang="en-US" smtClean="0"/>
               <a:pPr/>
-              <a:t>8/28/2020</a:t>
+              <a:t>8/31/2020</a:t>
             </a:fld>
             <a:endParaRPr lang="en-US"/>
           </a:p>
@@ -5595,7 +5595,7 @@
             <a:fld id="{1D8BD707-D9CF-40AE-B4C6-C98DA3205C09}" type="datetimeFigureOut">
               <a:rPr lang="en-US" smtClean="0"/>
               <a:pPr/>
-              <a:t>8/28/2020</a:t>
+              <a:t>8/31/2020</a:t>
             </a:fld>
             <a:endParaRPr lang="en-US"/>
           </a:p>
@@ -6011,7 +6011,7 @@
             <a:fld id="{1D8BD707-D9CF-40AE-B4C6-C98DA3205C09}" type="datetimeFigureOut">
               <a:rPr lang="en-US" smtClean="0"/>
               <a:pPr/>
-              <a:t>8/28/2020</a:t>
+              <a:t>8/31/2020</a:t>
             </a:fld>
             <a:endParaRPr lang="en-US"/>
           </a:p>
@@ -6125,7 +6125,7 @@
             <a:fld id="{1D8BD707-D9CF-40AE-B4C6-C98DA3205C09}" type="datetimeFigureOut">
               <a:rPr lang="en-US" smtClean="0"/>
               <a:pPr/>
-              <a:t>8/28/2020</a:t>
+              <a:t>8/31/2020</a:t>
             </a:fld>
             <a:endParaRPr lang="en-US"/>
           </a:p>
@@ -6217,7 +6217,7 @@
             <a:fld id="{1D8BD707-D9CF-40AE-B4C6-C98DA3205C09}" type="datetimeFigureOut">
               <a:rPr lang="en-US" smtClean="0"/>
               <a:pPr/>
-              <a:t>8/28/2020</a:t>
+              <a:t>8/31/2020</a:t>
             </a:fld>
             <a:endParaRPr lang="en-US"/>
           </a:p>
@@ -6489,7 +6489,7 @@
             <a:fld id="{1D8BD707-D9CF-40AE-B4C6-C98DA3205C09}" type="datetimeFigureOut">
               <a:rPr lang="en-US" smtClean="0"/>
               <a:pPr/>
-              <a:t>8/28/2020</a:t>
+              <a:t>8/31/2020</a:t>
             </a:fld>
             <a:endParaRPr lang="en-US"/>
           </a:p>
@@ -6738,7 +6738,7 @@
             <a:fld id="{1D8BD707-D9CF-40AE-B4C6-C98DA3205C09}" type="datetimeFigureOut">
               <a:rPr lang="en-US" smtClean="0"/>
               <a:pPr/>
-              <a:t>8/28/2020</a:t>
+              <a:t>8/31/2020</a:t>
             </a:fld>
             <a:endParaRPr lang="en-US"/>
           </a:p>
@@ -6946,7 +6946,7 @@
             <a:fld id="{1D8BD707-D9CF-40AE-B4C6-C98DA3205C09}" type="datetimeFigureOut">
               <a:rPr lang="en-US" smtClean="0"/>
               <a:pPr/>
-              <a:t>8/28/2020</a:t>
+              <a:t>8/31/2020</a:t>
             </a:fld>
             <a:endParaRPr lang="en-US"/>
           </a:p>
@@ -7355,7 +7355,7 @@
         <p:spPr>
           <a:xfrm>
             <a:off x="914400" y="1057870"/>
-            <a:ext cx="1674561" cy="1200329"/>
+            <a:ext cx="1674561" cy="923330"/>
           </a:xfrm>
           <a:prstGeom prst="rect">
             <a:avLst/>
@@ -7372,17 +7372,6 @@
               <a:rPr lang="en-US" dirty="0"/>
               <a:t>Java</a:t>
             </a:r>
-          </a:p>
-          <a:p>
-            <a:r>
-              <a:rPr lang="en-US" dirty="0"/>
-              <a:t>git and </a:t>
-            </a:r>
-            <a:r>
-              <a:rPr lang="en-US" dirty="0" err="1"/>
-              <a:t>github</a:t>
-            </a:r>
-            <a:endParaRPr lang="en-US" dirty="0"/>
           </a:p>
           <a:p>
             <a:r>
@@ -8019,7 +8008,7 @@
         <p:spPr>
           <a:xfrm>
             <a:off x="914400" y="1057870"/>
-            <a:ext cx="1674561" cy="1200329"/>
+            <a:ext cx="1674561" cy="923330"/>
           </a:xfrm>
           <a:prstGeom prst="rect">
             <a:avLst/>
@@ -8036,17 +8025,6 @@
               <a:rPr lang="en-US" dirty="0"/>
               <a:t>Java</a:t>
             </a:r>
-          </a:p>
-          <a:p>
-            <a:r>
-              <a:rPr lang="en-US" dirty="0"/>
-              <a:t>git and </a:t>
-            </a:r>
-            <a:r>
-              <a:rPr lang="en-US" dirty="0" err="1"/>
-              <a:t>github</a:t>
-            </a:r>
-            <a:endParaRPr lang="en-US" dirty="0"/>
           </a:p>
           <a:p>
             <a:r>
@@ -10438,13 +10416,54 @@
       </p:grpSpPr>
       <p:sp>
         <p:nvSpPr>
-          <p:cNvPr id="4" name="TextBox 3"/>
+          <p:cNvPr id="6" name="TextBox 5">
+            <a:extLst>
+              <a:ext uri="{FF2B5EF4-FFF2-40B4-BE49-F238E27FC236}">
+                <a16:creationId xmlns:a16="http://schemas.microsoft.com/office/drawing/2014/main" id="{178B861A-6CDC-4871-AE44-330FE0D0BF35}"/>
+              </a:ext>
+            </a:extLst>
+          </p:cNvPr>
           <p:cNvSpPr txBox="1"/>
           <p:nvPr/>
         </p:nvSpPr>
         <p:spPr>
-          <a:xfrm>
-            <a:off x="838200" y="468868"/>
+          <a:xfrm flipH="1">
+            <a:off x="914400" y="762000"/>
+            <a:ext cx="3124200" cy="369332"/>
+          </a:xfrm>
+          <a:prstGeom prst="rect">
+            <a:avLst/>
+          </a:prstGeom>
+          <a:noFill/>
+        </p:spPr>
+        <p:txBody>
+          <a:bodyPr wrap="square" rtlCol="0">
+            <a:spAutoFit/>
+          </a:bodyPr>
+          <a:lstStyle/>
+          <a:p>
+            <a:r>
+              <a:rPr lang="en-US" dirty="0"/>
+              <a:t>Class Introduction</a:t>
+            </a:r>
+          </a:p>
+        </p:txBody>
+      </p:sp>
+      <p:sp>
+        <p:nvSpPr>
+          <p:cNvPr id="7" name="TextBox 6">
+            <a:extLst>
+              <a:ext uri="{FF2B5EF4-FFF2-40B4-BE49-F238E27FC236}">
+                <a16:creationId xmlns:a16="http://schemas.microsoft.com/office/drawing/2014/main" id="{1E583863-B390-4473-A657-7E74DFBBAEB0}"/>
+              </a:ext>
+            </a:extLst>
+          </p:cNvPr>
+          <p:cNvSpPr txBox="1"/>
+          <p:nvPr/>
+        </p:nvSpPr>
+        <p:spPr>
+          <a:xfrm>
+            <a:off x="914400" y="1057870"/>
             <a:ext cx="1674561" cy="923330"/>
           </a:xfrm>
           <a:prstGeom prst="rect">
@@ -10479,13 +10498,19 @@
       </p:sp>
       <p:cxnSp>
         <p:nvCxnSpPr>
-          <p:cNvPr id="5" name="Straight Arrow Connector 4"/>
+          <p:cNvPr id="8" name="Straight Arrow Connector 7">
+            <a:extLst>
+              <a:ext uri="{FF2B5EF4-FFF2-40B4-BE49-F238E27FC236}">
+                <a16:creationId xmlns:a16="http://schemas.microsoft.com/office/drawing/2014/main" id="{63FF0E52-762D-4C1F-8BB4-C034545E25AE}"/>
+              </a:ext>
+            </a:extLst>
+          </p:cNvPr>
           <p:cNvCxnSpPr/>
           <p:nvPr/>
         </p:nvCxnSpPr>
         <p:spPr>
           <a:xfrm rot="10800000">
-            <a:off x="2514600" y="914400"/>
+            <a:off x="2588961" y="1517947"/>
             <a:ext cx="1143000" cy="1588"/>
           </a:xfrm>
           <a:prstGeom prst="straightConnector1">
